--- a/SF Python Mar 13 2024.pptx
+++ b/SF Python Mar 13 2024.pptx
@@ -3345,18 +3345,39 @@
         </p:nvSpPr>
         <p:spPr>
           <a:xfrm>
-            <a:off x="480960" y="108791"/>
-            <a:ext cx="10515600" cy="1065586"/>
+            <a:off x="425960" y="230318"/>
+            <a:ext cx="10515600" cy="1722235"/>
           </a:xfrm>
         </p:spPr>
         <p:txBody>
-          <a:bodyPr/>
+          <a:bodyPr>
+            <a:normAutofit fontScale="90000"/>
+          </a:bodyPr>
           <a:lstStyle/>
           <a:p>
             <a:r>
               <a:rPr lang="en-US" b="1" dirty="0"/>
-              <a:t>SF Python Mar 13, 2024 - Sentry</a:t>
-            </a:r>
+              <a:t>SF Python Mar 13, 2024 – Sentry</a:t>
+            </a:r>
+            <a:br>
+              <a:rPr lang="en-US" b="1" dirty="0"/>
+            </a:br>
+            <a:br>
+              <a:rPr lang="en-US" b="1" dirty="0"/>
+            </a:br>
+            <a:r>
+              <a:rPr lang="en-US" b="1" dirty="0" err="1"/>
+              <a:t>WiFi</a:t>
+            </a:r>
+            <a:r>
+              <a:rPr lang="en-US" b="1" dirty="0"/>
+              <a:t>:   Sentry-Guest   password: </a:t>
+            </a:r>
+            <a:r>
+              <a:rPr lang="en-US" b="1" dirty="0" err="1"/>
+              <a:t>squashbugs</a:t>
+            </a:r>
+            <a:endParaRPr lang="en-US" b="1" dirty="0"/>
           </a:p>
         </p:txBody>
       </p:sp>
@@ -3378,13 +3399,13 @@
         </p:nvSpPr>
         <p:spPr>
           <a:xfrm>
-            <a:off x="480961" y="1237129"/>
-            <a:ext cx="11176302" cy="5266799"/>
+            <a:off x="480961" y="2151934"/>
+            <a:ext cx="11176302" cy="4351994"/>
           </a:xfrm>
         </p:spPr>
         <p:txBody>
           <a:bodyPr>
-            <a:normAutofit lnSpcReduction="10000"/>
+            <a:normAutofit fontScale="92500" lnSpcReduction="20000"/>
           </a:bodyPr>
           <a:lstStyle/>
           <a:p>
@@ -3396,7 +3417,15 @@
           <a:p>
             <a:r>
               <a:rPr lang="en-US" dirty="0"/>
-              <a:t>7:00: Welcome and thanks to Sentry!</a:t>
+              <a:t>7:00: Welcome and thanks to </a:t>
+            </a:r>
+            <a:r>
+              <a:rPr lang="en-US" b="1" dirty="0"/>
+              <a:t>Sentry</a:t>
+            </a:r>
+            <a:r>
+              <a:rPr lang="en-US" dirty="0"/>
+              <a:t>!</a:t>
             </a:r>
           </a:p>
           <a:p>
@@ -3412,11 +3441,21 @@
             </a:r>
             <a:r>
               <a:rPr lang="en-US" b="1" dirty="0"/>
-              <a:t>Spreadsheet Say What</a:t>
+              <a:t>Spreadsheet Does What</a:t>
             </a:r>
             <a:r>
               <a:rPr lang="en-US" dirty="0"/>
-              <a:t>: James Abel</a:t>
+              <a:t>: James Abel, </a:t>
+            </a:r>
+            <a:r>
+              <a:rPr lang="en-US" dirty="0">
+                <a:hlinkClick r:id="rId2"/>
+              </a:rPr>
+              <a:t>www.abel.co</a:t>
+            </a:r>
+            <a:r>
+              <a:rPr lang="en-US" dirty="0"/>
+              <a:t> </a:t>
             </a:r>
           </a:p>
           <a:p>
@@ -3457,7 +3496,7 @@
                 </a:solidFill>
                 <a:effectLst/>
                 <a:latin typeface="Graphik Meetup"/>
-                <a:hlinkClick r:id="rId2"/>
+                <a:hlinkClick r:id="rId3"/>
               </a:rPr>
               <a:t>Lisa Dusseault</a:t>
             </a:r>
@@ -3488,7 +3527,7 @@
                 </a:solidFill>
                 <a:effectLst/>
                 <a:latin typeface="Graphik Meetup"/>
-                <a:hlinkClick r:id="rId3"/>
+                <a:hlinkClick r:id="rId4"/>
               </a:rPr>
               <a:t>Data</a:t>
             </a:r>
@@ -3499,7 +3538,7 @@
                 </a:solidFill>
                 <a:effectLst/>
                 <a:latin typeface="Graphik Meetup"/>
-                <a:hlinkClick r:id="rId3"/>
+                <a:hlinkClick r:id="rId4"/>
               </a:rPr>
               <a:t> Transform Initiative</a:t>
             </a:r>
@@ -3553,7 +3592,7 @@
                 </a:solidFill>
                 <a:effectLst/>
                 <a:latin typeface="Graphik Meetup"/>
-                <a:hlinkClick r:id="rId4"/>
+                <a:hlinkClick r:id="rId5"/>
               </a:rPr>
               <a:t>Yash </a:t>
             </a:r>
@@ -3564,7 +3603,7 @@
                 </a:solidFill>
                 <a:effectLst/>
                 <a:latin typeface="Graphik Meetup"/>
-                <a:hlinkClick r:id="rId4"/>
+                <a:hlinkClick r:id="rId5"/>
               </a:rPr>
               <a:t>Kamothi</a:t>
             </a:r>
@@ -3585,7 +3624,7 @@
                 </a:solidFill>
                 <a:effectLst/>
                 <a:latin typeface="Graphik Meetup"/>
-                <a:hlinkClick r:id="rId5"/>
+                <a:hlinkClick r:id="rId6"/>
               </a:rPr>
               <a:t>Sentry</a:t>
             </a:r>
